--- a/presentation/Netflix_by_numbers.pptx
+++ b/presentation/Netflix_by_numbers.pptx
@@ -4023,7 +4023,7 @@
           <a:lstStyle/>
           <a:p>
             <a:r>
-              <a:rPr lang="en-US" sz="2400">
+              <a:rPr lang="en-US" sz="2400" dirty="0">
                 <a:solidFill>
                   <a:schemeClr val="bg1"/>
                 </a:solidFill>
@@ -4045,7 +4045,7 @@
           </a:p>
           <a:p>
             <a:r>
-              <a:rPr lang="en-US" sz="2400">
+              <a:rPr lang="en-US" sz="2400" dirty="0">
                 <a:solidFill>
                   <a:schemeClr val="bg1"/>
                 </a:solidFill>
@@ -4056,7 +4056,7 @@
           </a:p>
           <a:p>
             <a:r>
-              <a:rPr lang="en-US" sz="2400">
+              <a:rPr lang="en-US" sz="2400" dirty="0">
                 <a:solidFill>
                   <a:schemeClr val="bg1"/>
                 </a:solidFill>
@@ -4399,7 +4399,7 @@
               <a:buChar char="•"/>
             </a:pPr>
             <a:r>
-              <a:rPr lang="en-US" sz="2000">
+              <a:rPr lang="en-US" sz="2000" dirty="0">
                 <a:solidFill>
                   <a:schemeClr val="bg1"/>
                 </a:solidFill>
@@ -4415,7 +4415,7 @@
               <a:buChar char="•"/>
             </a:pPr>
             <a:r>
-              <a:rPr lang="en-US" sz="2000">
+              <a:rPr lang="en-US" sz="2000" dirty="0">
                 <a:solidFill>
                   <a:schemeClr val="bg1"/>
                 </a:solidFill>
@@ -4431,7 +4431,7 @@
               <a:buChar char="•"/>
             </a:pPr>
             <a:r>
-              <a:rPr lang="en-US" sz="2000">
+              <a:rPr lang="en-US" sz="2000" dirty="0">
                 <a:solidFill>
                   <a:schemeClr val="bg1"/>
                 </a:solidFill>
@@ -4447,7 +4447,23 @@
               <a:buChar char="•"/>
             </a:pPr>
             <a:r>
-              <a:rPr lang="en-US" sz="2000">
+              <a:rPr lang="en-US" sz="2000" dirty="0">
+                <a:solidFill>
+                  <a:schemeClr val="bg1"/>
+                </a:solidFill>
+                <a:ea typeface="+mn-lt"/>
+                <a:cs typeface="+mn-lt"/>
+              </a:rPr>
+              <a:t>D3</a:t>
+            </a:r>
+          </a:p>
+          <a:p>
+            <a:pPr marL="971550" lvl="1" indent="-285750">
+              <a:buFont typeface="Arial"/>
+              <a:buChar char="•"/>
+            </a:pPr>
+            <a:r>
+              <a:rPr lang="en-US" sz="2000" dirty="0">
                 <a:solidFill>
                   <a:schemeClr val="bg1"/>
                 </a:solidFill>
@@ -4463,15 +4479,43 @@
               <a:buChar char="•"/>
             </a:pPr>
             <a:r>
-              <a:rPr lang="en-US" sz="2000">
+              <a:rPr lang="en-US" sz="2000" dirty="0">
                 <a:solidFill>
                   <a:schemeClr val="bg1"/>
                 </a:solidFill>
                 <a:ea typeface="+mn-lt"/>
                 <a:cs typeface="+mn-lt"/>
               </a:rPr>
-              <a:t>Google Charts</a:t>
-            </a:r>
+              <a:t>Geo Charts (Google)</a:t>
+            </a:r>
+          </a:p>
+          <a:p>
+            <a:pPr marL="971550" lvl="1" indent="-285750">
+              <a:buFont typeface="Arial"/>
+              <a:buChar char="•"/>
+            </a:pPr>
+            <a:r>
+              <a:rPr lang="en-US" sz="2000" dirty="0">
+                <a:solidFill>
+                  <a:schemeClr val="bg1"/>
+                </a:solidFill>
+                <a:ea typeface="+mn-lt"/>
+                <a:cs typeface="+mn-lt"/>
+              </a:rPr>
+              <a:t>API</a:t>
+            </a:r>
+          </a:p>
+          <a:p>
+            <a:pPr lvl="1" indent="0">
+              <a:buNone/>
+            </a:pPr>
+            <a:endParaRPr lang="en-US" sz="2000" dirty="0">
+              <a:solidFill>
+                <a:schemeClr val="bg1"/>
+              </a:solidFill>
+              <a:ea typeface="+mn-lt"/>
+              <a:cs typeface="+mn-lt"/>
+            </a:endParaRPr>
           </a:p>
         </p:txBody>
       </p:sp>
